--- a/LectureNotes/PythonBasic.pptx
+++ b/LectureNotes/PythonBasic.pptx
@@ -5,10 +5,10 @@
     <p:sldMasterId id="2147483648" r:id="rId1"/>
   </p:sldMasterIdLst>
   <p:notesMasterIdLst>
-    <p:notesMasterId r:id="rId23"/>
+    <p:notesMasterId r:id="rId27"/>
   </p:notesMasterIdLst>
   <p:handoutMasterIdLst>
-    <p:handoutMasterId r:id="rId24"/>
+    <p:handoutMasterId r:id="rId28"/>
   </p:handoutMasterIdLst>
   <p:sldIdLst>
     <p:sldId id="256" r:id="rId2"/>
@@ -32,6 +32,10 @@
     <p:sldId id="343" r:id="rId20"/>
     <p:sldId id="344" r:id="rId21"/>
     <p:sldId id="345" r:id="rId22"/>
+    <p:sldId id="349" r:id="rId23"/>
+    <p:sldId id="350" r:id="rId24"/>
+    <p:sldId id="351" r:id="rId25"/>
+    <p:sldId id="352" r:id="rId26"/>
   </p:sldIdLst>
   <p:sldSz cx="12192000" cy="6858000"/>
   <p:notesSz cx="6858000" cy="9144000"/>
@@ -246,7 +250,7 @@
           <a:p>
             <a:fld id="{762B48F5-BACC-47D6-A0F7-82FBF9C6BC85}" type="datetimeFigureOut">
               <a:rPr lang="en-US"/>
-              <a:t>9/17/2019</a:t>
+              <a:t>9/25/2019</a:t>
             </a:fld>
             <a:endParaRPr/>
           </a:p>
@@ -411,7 +415,7 @@
           <a:p>
             <a:fld id="{0CB1CD00-5424-4675-AB18-2C419B060449}" type="datetimeFigureOut">
               <a:rPr lang="en-US"/>
-              <a:t>9/17/2019</a:t>
+              <a:t>9/25/2019</a:t>
             </a:fld>
             <a:endParaRPr/>
           </a:p>
@@ -1084,6 +1088,90 @@
 </p:notes>
 </file>
 
+<file path=ppt/notesSlides/notesSlide4.xml><?xml version="1.0" encoding="utf-8"?>
+<p:notes xmlns:a="http://schemas.openxmlformats.org/drawingml/2006/main" xmlns:r="http://schemas.openxmlformats.org/officeDocument/2006/relationships" xmlns:p="http://schemas.openxmlformats.org/presentationml/2006/main">
+  <p:cSld>
+    <p:spTree>
+      <p:nvGrpSpPr>
+        <p:cNvPr id="1" name=""/>
+        <p:cNvGrpSpPr/>
+        <p:nvPr/>
+      </p:nvGrpSpPr>
+      <p:grpSpPr>
+        <a:xfrm>
+          <a:off x="0" y="0"/>
+          <a:ext cx="0" cy="0"/>
+          <a:chOff x="0" y="0"/>
+          <a:chExt cx="0" cy="0"/>
+        </a:xfrm>
+      </p:grpSpPr>
+      <p:sp>
+        <p:nvSpPr>
+          <p:cNvPr id="2" name="Slide Image Placeholder 1"/>
+          <p:cNvSpPr>
+            <a:spLocks noGrp="1" noRot="1" noChangeAspect="1"/>
+          </p:cNvSpPr>
+          <p:nvPr>
+            <p:ph type="sldImg"/>
+          </p:nvPr>
+        </p:nvSpPr>
+        <p:spPr/>
+      </p:sp>
+      <p:sp>
+        <p:nvSpPr>
+          <p:cNvPr id="3" name="Notes Placeholder 2"/>
+          <p:cNvSpPr>
+            <a:spLocks noGrp="1"/>
+          </p:cNvSpPr>
+          <p:nvPr>
+            <p:ph type="body" idx="1"/>
+          </p:nvPr>
+        </p:nvSpPr>
+        <p:spPr/>
+        <p:txBody>
+          <a:bodyPr/>
+          <a:lstStyle/>
+          <a:p>
+            <a:endParaRPr lang="en-US" dirty="0"/>
+          </a:p>
+        </p:txBody>
+      </p:sp>
+      <p:sp>
+        <p:nvSpPr>
+          <p:cNvPr id="4" name="Slide Number Placeholder 3"/>
+          <p:cNvSpPr>
+            <a:spLocks noGrp="1"/>
+          </p:cNvSpPr>
+          <p:nvPr>
+            <p:ph type="sldNum" sz="quarter" idx="10"/>
+          </p:nvPr>
+        </p:nvSpPr>
+        <p:spPr/>
+        <p:txBody>
+          <a:bodyPr/>
+          <a:lstStyle/>
+          <a:p>
+            <a:fld id="{5EE2CF44-2B13-41B4-A334-1CDF534EEBBF}" type="slidenum">
+              <a:rPr lang="en-US" smtClean="0"/>
+              <a:t>25</a:t>
+            </a:fld>
+            <a:endParaRPr lang="en-US"/>
+          </a:p>
+        </p:txBody>
+      </p:sp>
+    </p:spTree>
+    <p:extLst>
+      <p:ext uri="{BB962C8B-B14F-4D97-AF65-F5344CB8AC3E}">
+        <p14:creationId xmlns:p14="http://schemas.microsoft.com/office/powerpoint/2010/main" val="3047472314"/>
+      </p:ext>
+    </p:extLst>
+  </p:cSld>
+  <p:clrMapOvr>
+    <a:masterClrMapping/>
+  </p:clrMapOvr>
+</p:notes>
+</file>
+
 <file path=ppt/slideLayouts/slideLayout1.xml><?xml version="1.0" encoding="utf-8"?>
 <p:sldLayout xmlns:a="http://schemas.openxmlformats.org/drawingml/2006/main" xmlns:r="http://schemas.openxmlformats.org/officeDocument/2006/relationships" xmlns:p="http://schemas.openxmlformats.org/presentationml/2006/main" type="title" preserve="1">
   <p:cSld name="Title Slide">
@@ -1468,7 +1556,7 @@
           <a:p>
             <a:fld id="{37CC0096-1860-4642-9CD2-0079EA5E7CD1}" type="datetimeFigureOut">
               <a:rPr lang="en-US" smtClean="0"/>
-              <a:t>9/17/2019</a:t>
+              <a:t>9/25/2019</a:t>
             </a:fld>
             <a:endParaRPr lang="en-US"/>
           </a:p>
@@ -1648,7 +1736,7 @@
           <a:p>
             <a:fld id="{37CC0096-1860-4642-9CD2-0079EA5E7CD1}" type="datetimeFigureOut">
               <a:rPr lang="en-US" smtClean="0"/>
-              <a:t>9/17/2019</a:t>
+              <a:t>9/25/2019</a:t>
             </a:fld>
             <a:endParaRPr lang="en-US"/>
           </a:p>
@@ -1828,7 +1916,7 @@
           <a:p>
             <a:fld id="{37CC0096-1860-4642-9CD2-0079EA5E7CD1}" type="datetimeFigureOut">
               <a:rPr lang="en-US" smtClean="0"/>
-              <a:t>9/17/2019</a:t>
+              <a:t>9/25/2019</a:t>
             </a:fld>
             <a:endParaRPr lang="en-US"/>
           </a:p>
@@ -2263,7 +2351,7 @@
           <a:p>
             <a:fld id="{37CC0096-1860-4642-9CD2-0079EA5E7CD1}" type="datetimeFigureOut">
               <a:rPr lang="en-US" smtClean="0"/>
-              <a:t>9/17/2019</a:t>
+              <a:t>9/25/2019</a:t>
             </a:fld>
             <a:endParaRPr lang="en-US"/>
           </a:p>
@@ -2703,7 +2791,7 @@
           <a:p>
             <a:fld id="{37CC0096-1860-4642-9CD2-0079EA5E7CD1}" type="datetimeFigureOut">
               <a:rPr lang="en-US" smtClean="0"/>
-              <a:t>9/17/2019</a:t>
+              <a:t>9/25/2019</a:t>
             </a:fld>
             <a:endParaRPr lang="en-US"/>
           </a:p>
@@ -2821,7 +2909,7 @@
           <a:p>
             <a:fld id="{37CC0096-1860-4642-9CD2-0079EA5E7CD1}" type="datetimeFigureOut">
               <a:rPr lang="en-US" smtClean="0"/>
-              <a:t>9/17/2019</a:t>
+              <a:t>9/25/2019</a:t>
             </a:fld>
             <a:endParaRPr lang="en-US"/>
           </a:p>
@@ -2916,7 +3004,7 @@
           <a:p>
             <a:fld id="{37CC0096-1860-4642-9CD2-0079EA5E7CD1}" type="datetimeFigureOut">
               <a:rPr lang="en-US" smtClean="0"/>
-              <a:t>9/17/2019</a:t>
+              <a:t>9/25/2019</a:t>
             </a:fld>
             <a:endParaRPr lang="en-US"/>
           </a:p>
@@ -3200,7 +3288,7 @@
           <a:p>
             <a:fld id="{37CC0096-1860-4642-9CD2-0079EA5E7CD1}" type="datetimeFigureOut">
               <a:rPr lang="en-US" smtClean="0"/>
-              <a:t>9/17/2019</a:t>
+              <a:t>9/25/2019</a:t>
             </a:fld>
             <a:endParaRPr lang="en-US"/>
           </a:p>
@@ -3513,7 +3601,7 @@
           <a:p>
             <a:fld id="{37CC0096-1860-4642-9CD2-0079EA5E7CD1}" type="datetimeFigureOut">
               <a:rPr lang="en-US" smtClean="0"/>
-              <a:t>9/17/2019</a:t>
+              <a:t>9/25/2019</a:t>
             </a:fld>
             <a:endParaRPr lang="en-US"/>
           </a:p>
@@ -3745,7 +3833,7 @@
             <a:fld id="{37CC0096-1860-4642-9CD2-0079EA5E7CD1}" type="datetimeFigureOut">
               <a:rPr lang="en-US" smtClean="0"/>
               <a:pPr/>
-              <a:t>9/17/2019</a:t>
+              <a:t>9/25/2019</a:t>
             </a:fld>
             <a:endParaRPr lang="en-US"/>
           </a:p>
@@ -6738,6 +6826,552 @@
     <p:extLst>
       <p:ext uri="{BB962C8B-B14F-4D97-AF65-F5344CB8AC3E}">
         <p14:creationId xmlns:p14="http://schemas.microsoft.com/office/powerpoint/2010/main" val="1850791633"/>
+      </p:ext>
+    </p:extLst>
+  </p:cSld>
+  <p:clrMapOvr>
+    <a:masterClrMapping/>
+  </p:clrMapOvr>
+</p:sld>
+</file>
+
+<file path=ppt/slides/slide22.xml><?xml version="1.0" encoding="utf-8"?>
+<p:sld xmlns:a="http://schemas.openxmlformats.org/drawingml/2006/main" xmlns:r="http://schemas.openxmlformats.org/officeDocument/2006/relationships" xmlns:p="http://schemas.openxmlformats.org/presentationml/2006/main">
+  <p:cSld>
+    <p:spTree>
+      <p:nvGrpSpPr>
+        <p:cNvPr id="1" name=""/>
+        <p:cNvGrpSpPr/>
+        <p:nvPr/>
+      </p:nvGrpSpPr>
+      <p:grpSpPr>
+        <a:xfrm>
+          <a:off x="0" y="0"/>
+          <a:ext cx="0" cy="0"/>
+          <a:chOff x="0" y="0"/>
+          <a:chExt cx="0" cy="0"/>
+        </a:xfrm>
+      </p:grpSpPr>
+      <p:sp>
+        <p:nvSpPr>
+          <p:cNvPr id="2" name="Title 1"/>
+          <p:cNvSpPr>
+            <a:spLocks noGrp="1"/>
+          </p:cNvSpPr>
+          <p:nvPr>
+            <p:ph type="title"/>
+          </p:nvPr>
+        </p:nvSpPr>
+        <p:spPr/>
+        <p:txBody>
+          <a:bodyPr/>
+          <a:lstStyle/>
+          <a:p>
+            <a:r>
+              <a:rPr lang="en-US" dirty="0" smtClean="0"/>
+              <a:t>Length with strings</a:t>
+            </a:r>
+            <a:endParaRPr lang="en-US" dirty="0"/>
+          </a:p>
+        </p:txBody>
+      </p:sp>
+      <p:sp>
+        <p:nvSpPr>
+          <p:cNvPr id="3" name="Content Placeholder 2"/>
+          <p:cNvSpPr>
+            <a:spLocks noGrp="1"/>
+          </p:cNvSpPr>
+          <p:nvPr>
+            <p:ph idx="1"/>
+          </p:nvPr>
+        </p:nvSpPr>
+        <p:spPr/>
+        <p:txBody>
+          <a:bodyPr/>
+          <a:lstStyle/>
+          <a:p>
+            <a:pPr marL="0" indent="0">
+              <a:buNone/>
+            </a:pPr>
+            <a:r>
+              <a:rPr lang="nn-NO" dirty="0"/>
+              <a:t>&gt;&gt;&gt; name = "yilian"</a:t>
+            </a:r>
+          </a:p>
+          <a:p>
+            <a:pPr marL="0" indent="0">
+              <a:buNone/>
+            </a:pPr>
+            <a:r>
+              <a:rPr lang="nn-NO" dirty="0"/>
+              <a:t>&gt;&gt;&gt; len(name)</a:t>
+            </a:r>
+          </a:p>
+          <a:p>
+            <a:pPr marL="0" indent="0">
+              <a:buNone/>
+            </a:pPr>
+            <a:r>
+              <a:rPr lang="nn-NO" dirty="0"/>
+              <a:t>6</a:t>
+            </a:r>
+          </a:p>
+          <a:p>
+            <a:pPr marL="0" indent="0">
+              <a:buNone/>
+            </a:pPr>
+            <a:r>
+              <a:rPr lang="nn-NO" dirty="0"/>
+              <a:t>&gt;&gt;&gt; &gt;&gt;&gt; len('I love spam!')</a:t>
+            </a:r>
+          </a:p>
+          <a:p>
+            <a:pPr marL="0" indent="0">
+              <a:buNone/>
+            </a:pPr>
+            <a:r>
+              <a:rPr lang="nn-NO" dirty="0"/>
+              <a:t>12</a:t>
+            </a:r>
+            <a:endParaRPr lang="en-US" dirty="0"/>
+          </a:p>
+        </p:txBody>
+      </p:sp>
+    </p:spTree>
+    <p:extLst>
+      <p:ext uri="{BB962C8B-B14F-4D97-AF65-F5344CB8AC3E}">
+        <p14:creationId xmlns:p14="http://schemas.microsoft.com/office/powerpoint/2010/main" val="3777522722"/>
+      </p:ext>
+    </p:extLst>
+  </p:cSld>
+  <p:clrMapOvr>
+    <a:masterClrMapping/>
+  </p:clrMapOvr>
+</p:sld>
+</file>
+
+<file path=ppt/slides/slide23.xml><?xml version="1.0" encoding="utf-8"?>
+<p:sld xmlns:a="http://schemas.openxmlformats.org/drawingml/2006/main" xmlns:r="http://schemas.openxmlformats.org/officeDocument/2006/relationships" xmlns:p="http://schemas.openxmlformats.org/presentationml/2006/main">
+  <p:cSld>
+    <p:spTree>
+      <p:nvGrpSpPr>
+        <p:cNvPr id="1" name=""/>
+        <p:cNvGrpSpPr/>
+        <p:nvPr/>
+      </p:nvGrpSpPr>
+      <p:grpSpPr>
+        <a:xfrm>
+          <a:off x="0" y="0"/>
+          <a:ext cx="0" cy="0"/>
+          <a:chOff x="0" y="0"/>
+          <a:chExt cx="0" cy="0"/>
+        </a:xfrm>
+      </p:grpSpPr>
+      <p:sp>
+        <p:nvSpPr>
+          <p:cNvPr id="2" name="Title 1"/>
+          <p:cNvSpPr>
+            <a:spLocks noGrp="1"/>
+          </p:cNvSpPr>
+          <p:nvPr>
+            <p:ph type="title"/>
+          </p:nvPr>
+        </p:nvSpPr>
+        <p:spPr/>
+        <p:txBody>
+          <a:bodyPr/>
+          <a:lstStyle/>
+          <a:p>
+            <a:r>
+              <a:rPr lang="en-US" dirty="0" smtClean="0"/>
+              <a:t>Indexing of String</a:t>
+            </a:r>
+            <a:endParaRPr lang="en-US" dirty="0"/>
+          </a:p>
+        </p:txBody>
+      </p:sp>
+      <p:sp>
+        <p:nvSpPr>
+          <p:cNvPr id="3" name="Content Placeholder 2"/>
+          <p:cNvSpPr>
+            <a:spLocks noGrp="1"/>
+          </p:cNvSpPr>
+          <p:nvPr>
+            <p:ph idx="1"/>
+          </p:nvPr>
+        </p:nvSpPr>
+        <p:spPr/>
+        <p:txBody>
+          <a:bodyPr>
+            <a:normAutofit/>
+          </a:bodyPr>
+          <a:lstStyle/>
+          <a:p>
+            <a:pPr marL="0" indent="0">
+              <a:buNone/>
+            </a:pPr>
+            <a:r>
+              <a:rPr lang="en-US" dirty="0"/>
+              <a:t>&gt;&gt;&gt; name = "yilian"</a:t>
+            </a:r>
+          </a:p>
+          <a:p>
+            <a:pPr marL="0" indent="0">
+              <a:buNone/>
+            </a:pPr>
+            <a:r>
+              <a:rPr lang="en-US" dirty="0"/>
+              <a:t>&gt;&gt;&gt; name[0]</a:t>
+            </a:r>
+          </a:p>
+          <a:p>
+            <a:pPr marL="0" indent="0">
+              <a:buNone/>
+            </a:pPr>
+            <a:r>
+              <a:rPr lang="en-US" dirty="0"/>
+              <a:t>'y'</a:t>
+            </a:r>
+          </a:p>
+          <a:p>
+            <a:pPr marL="0" indent="0">
+              <a:buNone/>
+            </a:pPr>
+            <a:r>
+              <a:rPr lang="en-US" dirty="0"/>
+              <a:t>&gt;&gt;&gt; name[1]</a:t>
+            </a:r>
+          </a:p>
+          <a:p>
+            <a:pPr marL="0" indent="0">
+              <a:buNone/>
+            </a:pPr>
+            <a:r>
+              <a:rPr lang="en-US" dirty="0"/>
+              <a:t>'</a:t>
+            </a:r>
+            <a:r>
+              <a:rPr lang="en-US" dirty="0" err="1"/>
+              <a:t>i</a:t>
+            </a:r>
+            <a:r>
+              <a:rPr lang="en-US" dirty="0"/>
+              <a:t>'</a:t>
+            </a:r>
+          </a:p>
+          <a:p>
+            <a:pPr marL="0" indent="0">
+              <a:buNone/>
+            </a:pPr>
+            <a:r>
+              <a:rPr lang="en-US" dirty="0"/>
+              <a:t>&gt;&gt;&gt; </a:t>
+            </a:r>
+            <a:r>
+              <a:rPr lang="en-US" dirty="0" smtClean="0"/>
+              <a:t>name[4]                                    # what is the output?</a:t>
+            </a:r>
+            <a:endParaRPr lang="en-US" dirty="0"/>
+          </a:p>
+          <a:p>
+            <a:pPr marL="0" indent="0">
+              <a:buNone/>
+            </a:pPr>
+            <a:endParaRPr lang="en-US" dirty="0"/>
+          </a:p>
+          <a:p>
+            <a:endParaRPr lang="en-US" dirty="0"/>
+          </a:p>
+        </p:txBody>
+      </p:sp>
+    </p:spTree>
+    <p:extLst>
+      <p:ext uri="{BB962C8B-B14F-4D97-AF65-F5344CB8AC3E}">
+        <p14:creationId xmlns:p14="http://schemas.microsoft.com/office/powerpoint/2010/main" val="1258598886"/>
+      </p:ext>
+    </p:extLst>
+  </p:cSld>
+  <p:clrMapOvr>
+    <a:masterClrMapping/>
+  </p:clrMapOvr>
+</p:sld>
+</file>
+
+<file path=ppt/slides/slide24.xml><?xml version="1.0" encoding="utf-8"?>
+<p:sld xmlns:a="http://schemas.openxmlformats.org/drawingml/2006/main" xmlns:r="http://schemas.openxmlformats.org/officeDocument/2006/relationships" xmlns:p="http://schemas.openxmlformats.org/presentationml/2006/main">
+  <p:cSld>
+    <p:spTree>
+      <p:nvGrpSpPr>
+        <p:cNvPr id="1" name=""/>
+        <p:cNvGrpSpPr/>
+        <p:nvPr/>
+      </p:nvGrpSpPr>
+      <p:grpSpPr>
+        <a:xfrm>
+          <a:off x="0" y="0"/>
+          <a:ext cx="0" cy="0"/>
+          <a:chOff x="0" y="0"/>
+          <a:chExt cx="0" cy="0"/>
+        </a:xfrm>
+      </p:grpSpPr>
+      <p:sp>
+        <p:nvSpPr>
+          <p:cNvPr id="2" name="Title 1"/>
+          <p:cNvSpPr>
+            <a:spLocks noGrp="1"/>
+          </p:cNvSpPr>
+          <p:nvPr>
+            <p:ph type="title"/>
+          </p:nvPr>
+        </p:nvSpPr>
+        <p:spPr/>
+        <p:txBody>
+          <a:bodyPr/>
+          <a:lstStyle/>
+          <a:p>
+            <a:r>
+              <a:rPr lang="en-US" dirty="0" smtClean="0"/>
+              <a:t>Slicing with Strings</a:t>
+            </a:r>
+            <a:endParaRPr lang="en-US" dirty="0"/>
+          </a:p>
+        </p:txBody>
+      </p:sp>
+      <p:sp>
+        <p:nvSpPr>
+          <p:cNvPr id="3" name="Content Placeholder 2"/>
+          <p:cNvSpPr>
+            <a:spLocks noGrp="1"/>
+          </p:cNvSpPr>
+          <p:nvPr>
+            <p:ph idx="1"/>
+          </p:nvPr>
+        </p:nvSpPr>
+        <p:spPr>
+          <a:xfrm>
+            <a:off x="1524000" y="1828800"/>
+            <a:ext cx="9525000" cy="4648200"/>
+          </a:xfrm>
+        </p:spPr>
+        <p:txBody>
+          <a:bodyPr>
+            <a:normAutofit lnSpcReduction="10000"/>
+          </a:bodyPr>
+          <a:lstStyle/>
+          <a:p>
+            <a:pPr marL="0" indent="0">
+              <a:buNone/>
+            </a:pPr>
+            <a:r>
+              <a:rPr lang="en-US" dirty="0"/>
+              <a:t>&gt;&gt;&gt; </a:t>
+            </a:r>
+            <a:r>
+              <a:rPr lang="en-US" dirty="0" err="1"/>
+              <a:t>bestFood</a:t>
+            </a:r>
+            <a:r>
+              <a:rPr lang="en-US" dirty="0"/>
+              <a:t> = 'spam burrito'</a:t>
+            </a:r>
+          </a:p>
+          <a:p>
+            <a:pPr marL="0" indent="0">
+              <a:buNone/>
+            </a:pPr>
+            <a:r>
+              <a:rPr lang="en-US" dirty="0"/>
+              <a:t>&gt;&gt;&gt; </a:t>
+            </a:r>
+            <a:r>
+              <a:rPr lang="en-US" dirty="0" err="1"/>
+              <a:t>bestFood</a:t>
+            </a:r>
+            <a:r>
+              <a:rPr lang="en-US" dirty="0"/>
+              <a:t>[0:3]</a:t>
+            </a:r>
+          </a:p>
+          <a:p>
+            <a:pPr marL="0" indent="0">
+              <a:buNone/>
+            </a:pPr>
+            <a:r>
+              <a:rPr lang="en-US" dirty="0"/>
+              <a:t>'spa'</a:t>
+            </a:r>
+          </a:p>
+          <a:p>
+            <a:pPr marL="0" indent="0">
+              <a:buNone/>
+            </a:pPr>
+            <a:r>
+              <a:rPr lang="en-US" dirty="0"/>
+              <a:t>&gt;&gt;&gt; </a:t>
+            </a:r>
+            <a:r>
+              <a:rPr lang="en-US" dirty="0" err="1"/>
+              <a:t>bestFood</a:t>
+            </a:r>
+            <a:r>
+              <a:rPr lang="en-US" dirty="0"/>
+              <a:t>[0:4]</a:t>
+            </a:r>
+          </a:p>
+          <a:p>
+            <a:pPr marL="0" indent="0">
+              <a:buNone/>
+            </a:pPr>
+            <a:r>
+              <a:rPr lang="en-US" dirty="0" smtClean="0"/>
+              <a:t>'spam‘</a:t>
+            </a:r>
+          </a:p>
+          <a:p>
+            <a:pPr marL="0" indent="0">
+              <a:buNone/>
+            </a:pPr>
+            <a:r>
+              <a:rPr lang="en-US" dirty="0"/>
+              <a:t>&gt;&gt;&gt; </a:t>
+            </a:r>
+            <a:r>
+              <a:rPr lang="en-US" dirty="0" err="1"/>
+              <a:t>bestFood</a:t>
+            </a:r>
+            <a:r>
+              <a:rPr lang="en-US" dirty="0"/>
+              <a:t>[2:6</a:t>
+            </a:r>
+            <a:r>
+              <a:rPr lang="en-US" dirty="0" smtClean="0"/>
+              <a:t>]                                 #output ?</a:t>
+            </a:r>
+          </a:p>
+          <a:p>
+            <a:pPr marL="0" indent="0">
+              <a:buNone/>
+            </a:pPr>
+            <a:r>
+              <a:rPr lang="en-US" dirty="0"/>
+              <a:t>&gt;&gt;&gt; </a:t>
+            </a:r>
+            <a:r>
+              <a:rPr lang="en-US" dirty="0" err="1"/>
+              <a:t>bestFood</a:t>
+            </a:r>
+            <a:r>
+              <a:rPr lang="en-US" dirty="0"/>
+              <a:t>[1</a:t>
+            </a:r>
+            <a:r>
+              <a:rPr lang="en-US" dirty="0" smtClean="0"/>
+              <a:t>:]                                   #output?</a:t>
+            </a:r>
+          </a:p>
+          <a:p>
+            <a:pPr marL="0" indent="0">
+              <a:buNone/>
+            </a:pPr>
+            <a:r>
+              <a:rPr lang="en-US" dirty="0"/>
+              <a:t>&gt;&gt;&gt; </a:t>
+            </a:r>
+            <a:r>
+              <a:rPr lang="en-US" dirty="0" err="1"/>
+              <a:t>bestFood</a:t>
+            </a:r>
+            <a:r>
+              <a:rPr lang="en-US" dirty="0"/>
+              <a:t>[:4</a:t>
+            </a:r>
+            <a:r>
+              <a:rPr lang="en-US" dirty="0" smtClean="0"/>
+              <a:t>]                                  #output?</a:t>
+            </a:r>
+            <a:endParaRPr lang="en-US" dirty="0"/>
+          </a:p>
+        </p:txBody>
+      </p:sp>
+    </p:spTree>
+    <p:extLst>
+      <p:ext uri="{BB962C8B-B14F-4D97-AF65-F5344CB8AC3E}">
+        <p14:creationId xmlns:p14="http://schemas.microsoft.com/office/powerpoint/2010/main" val="4096895662"/>
+      </p:ext>
+    </p:extLst>
+  </p:cSld>
+  <p:clrMapOvr>
+    <a:masterClrMapping/>
+  </p:clrMapOvr>
+</p:sld>
+</file>
+
+<file path=ppt/slides/slide25.xml><?xml version="1.0" encoding="utf-8"?>
+<p:sld xmlns:a="http://schemas.openxmlformats.org/drawingml/2006/main" xmlns:r="http://schemas.openxmlformats.org/officeDocument/2006/relationships" xmlns:p="http://schemas.openxmlformats.org/presentationml/2006/main">
+  <p:cSld>
+    <p:spTree>
+      <p:nvGrpSpPr>
+        <p:cNvPr id="1" name=""/>
+        <p:cNvGrpSpPr/>
+        <p:nvPr/>
+      </p:nvGrpSpPr>
+      <p:grpSpPr>
+        <a:xfrm>
+          <a:off x="0" y="0"/>
+          <a:ext cx="0" cy="0"/>
+          <a:chOff x="0" y="0"/>
+          <a:chExt cx="0" cy="0"/>
+        </a:xfrm>
+      </p:grpSpPr>
+      <p:sp>
+        <p:nvSpPr>
+          <p:cNvPr id="2" name="Title 1"/>
+          <p:cNvSpPr>
+            <a:spLocks noGrp="1"/>
+          </p:cNvSpPr>
+          <p:nvPr>
+            <p:ph type="title"/>
+          </p:nvPr>
+        </p:nvSpPr>
+        <p:spPr/>
+        <p:txBody>
+          <a:bodyPr/>
+          <a:lstStyle/>
+          <a:p>
+            <a:endParaRPr lang="en-US"/>
+          </a:p>
+        </p:txBody>
+      </p:sp>
+      <p:pic>
+        <p:nvPicPr>
+          <p:cNvPr id="4" name="Content Placeholder 3"/>
+          <p:cNvPicPr>
+            <a:picLocks noGrp="1" noChangeAspect="1"/>
+          </p:cNvPicPr>
+          <p:nvPr>
+            <p:ph idx="1"/>
+          </p:nvPr>
+        </p:nvPicPr>
+        <p:blipFill>
+          <a:blip r:embed="rId3"/>
+          <a:stretch>
+            <a:fillRect/>
+          </a:stretch>
+        </p:blipFill>
+        <p:spPr>
+          <a:xfrm>
+            <a:off x="1143000" y="685800"/>
+            <a:ext cx="9269105" cy="5214704"/>
+          </a:xfrm>
+          <a:prstGeom prst="rect">
+            <a:avLst/>
+          </a:prstGeom>
+        </p:spPr>
+      </p:pic>
+    </p:spTree>
+    <p:extLst>
+      <p:ext uri="{BB962C8B-B14F-4D97-AF65-F5344CB8AC3E}">
+        <p14:creationId xmlns:p14="http://schemas.microsoft.com/office/powerpoint/2010/main" val="2998517548"/>
       </p:ext>
     </p:extLst>
   </p:cSld>
